--- a/PPT.pptx
+++ b/PPT.pptx
@@ -8,6 +8,10 @@
     <p:sldId id="256" r:id="rId2"/>
     <p:sldId id="257" r:id="rId3"/>
     <p:sldId id="258" r:id="rId4"/>
+    <p:sldId id="259" r:id="rId5"/>
+    <p:sldId id="260" r:id="rId6"/>
+    <p:sldId id="261" r:id="rId7"/>
+    <p:sldId id="262" r:id="rId8"/>
   </p:sldIdLst>
   <p:sldSz cx="12192000" cy="6858000"/>
   <p:notesSz cx="6858000" cy="9144000"/>
@@ -3498,7 +3502,7 @@
         </p:nvSpPr>
         <p:spPr>
           <a:xfrm>
-            <a:off x="1393371" y="3429000"/>
+            <a:off x="1161143" y="3429000"/>
             <a:ext cx="6096000" cy="2585323"/>
           </a:xfrm>
           <a:prstGeom prst="rect">
@@ -3786,6 +3790,852 @@
     <p:extLst>
       <p:ext uri="{BB962C8B-B14F-4D97-AF65-F5344CB8AC3E}">
         <p14:creationId xmlns:p14="http://schemas.microsoft.com/office/powerpoint/2010/main" val="2453445965"/>
+      </p:ext>
+    </p:extLst>
+  </p:cSld>
+  <p:clrMapOvr>
+    <a:masterClrMapping/>
+  </p:clrMapOvr>
+</p:sld>
+</file>
+
+<file path=ppt/slides/slide4.xml><?xml version="1.0" encoding="utf-8"?>
+<p:sld xmlns:a="http://schemas.openxmlformats.org/drawingml/2006/main" xmlns:r="http://schemas.openxmlformats.org/officeDocument/2006/relationships" xmlns:p="http://schemas.openxmlformats.org/presentationml/2006/main">
+  <p:cSld>
+    <p:spTree>
+      <p:nvGrpSpPr>
+        <p:cNvPr id="1" name=""/>
+        <p:cNvGrpSpPr/>
+        <p:nvPr/>
+      </p:nvGrpSpPr>
+      <p:grpSpPr>
+        <a:xfrm>
+          <a:off x="0" y="0"/>
+          <a:ext cx="0" cy="0"/>
+          <a:chOff x="0" y="0"/>
+          <a:chExt cx="0" cy="0"/>
+        </a:xfrm>
+      </p:grpSpPr>
+      <p:sp>
+        <p:nvSpPr>
+          <p:cNvPr id="2" name="Title 1">
+            <a:extLst>
+              <a:ext uri="{FF2B5EF4-FFF2-40B4-BE49-F238E27FC236}">
+                <a16:creationId xmlns:a16="http://schemas.microsoft.com/office/drawing/2014/main" id="{9596047A-DE75-7FEC-848D-26175B62D947}"/>
+              </a:ext>
+            </a:extLst>
+          </p:cNvPr>
+          <p:cNvSpPr>
+            <a:spLocks noGrp="1"/>
+          </p:cNvSpPr>
+          <p:nvPr>
+            <p:ph type="title"/>
+          </p:nvPr>
+        </p:nvSpPr>
+        <p:spPr/>
+        <p:txBody>
+          <a:bodyPr/>
+          <a:lstStyle/>
+          <a:p>
+            <a:r>
+              <a:rPr lang="en-US" dirty="0"/>
+              <a:t>First NN v1</a:t>
+            </a:r>
+          </a:p>
+        </p:txBody>
+      </p:sp>
+      <p:sp>
+        <p:nvSpPr>
+          <p:cNvPr id="3" name="Content Placeholder 2">
+            <a:extLst>
+              <a:ext uri="{FF2B5EF4-FFF2-40B4-BE49-F238E27FC236}">
+                <a16:creationId xmlns:a16="http://schemas.microsoft.com/office/drawing/2014/main" id="{72FF678B-C9D3-D658-FAFC-2C35FD0E9EC4}"/>
+              </a:ext>
+            </a:extLst>
+          </p:cNvPr>
+          <p:cNvSpPr>
+            <a:spLocks noGrp="1"/>
+          </p:cNvSpPr>
+          <p:nvPr>
+            <p:ph idx="1"/>
+          </p:nvPr>
+        </p:nvSpPr>
+        <p:spPr/>
+        <p:txBody>
+          <a:bodyPr/>
+          <a:lstStyle/>
+          <a:p>
+            <a:r>
+              <a:rPr lang="en-GB" b="0" i="0" dirty="0" err="1">
+                <a:solidFill>
+                  <a:srgbClr val="212121"/>
+                </a:solidFill>
+                <a:effectLst/>
+                <a:latin typeface="Courier New" panose="02070309020205020404" pitchFamily="49" charset="0"/>
+              </a:rPr>
+              <a:t>tp</a:t>
+            </a:r>
+            <a:r>
+              <a:rPr lang="en-GB" b="0" i="0" dirty="0">
+                <a:solidFill>
+                  <a:srgbClr val="212121"/>
+                </a:solidFill>
+                <a:effectLst/>
+                <a:latin typeface="Courier New" panose="02070309020205020404" pitchFamily="49" charset="0"/>
+              </a:rPr>
+              <a:t>: 54.0000 - </a:t>
+            </a:r>
+            <a:r>
+              <a:rPr lang="en-GB" b="0" i="0" dirty="0" err="1">
+                <a:solidFill>
+                  <a:srgbClr val="212121"/>
+                </a:solidFill>
+                <a:effectLst/>
+                <a:latin typeface="Courier New" panose="02070309020205020404" pitchFamily="49" charset="0"/>
+              </a:rPr>
+              <a:t>fp</a:t>
+            </a:r>
+            <a:r>
+              <a:rPr lang="en-GB" b="0" i="0" dirty="0">
+                <a:solidFill>
+                  <a:srgbClr val="212121"/>
+                </a:solidFill>
+                <a:effectLst/>
+                <a:latin typeface="Courier New" panose="02070309020205020404" pitchFamily="49" charset="0"/>
+              </a:rPr>
+              <a:t>: 4.0000 - </a:t>
+            </a:r>
+            <a:r>
+              <a:rPr lang="en-GB" b="0" i="0" dirty="0" err="1">
+                <a:solidFill>
+                  <a:srgbClr val="212121"/>
+                </a:solidFill>
+                <a:effectLst/>
+                <a:latin typeface="Courier New" panose="02070309020205020404" pitchFamily="49" charset="0"/>
+              </a:rPr>
+              <a:t>tn</a:t>
+            </a:r>
+            <a:r>
+              <a:rPr lang="en-GB" b="0" i="0" dirty="0">
+                <a:solidFill>
+                  <a:srgbClr val="212121"/>
+                </a:solidFill>
+                <a:effectLst/>
+                <a:latin typeface="Courier New" panose="02070309020205020404" pitchFamily="49" charset="0"/>
+              </a:rPr>
+              <a:t>: 28207.0000 - </a:t>
+            </a:r>
+            <a:r>
+              <a:rPr lang="en-GB" b="0" i="0" dirty="0" err="1">
+                <a:solidFill>
+                  <a:srgbClr val="212121"/>
+                </a:solidFill>
+                <a:effectLst/>
+                <a:latin typeface="Courier New" panose="02070309020205020404" pitchFamily="49" charset="0"/>
+              </a:rPr>
+              <a:t>fn</a:t>
+            </a:r>
+            <a:r>
+              <a:rPr lang="en-GB" b="0" i="0" dirty="0">
+                <a:solidFill>
+                  <a:srgbClr val="212121"/>
+                </a:solidFill>
+                <a:effectLst/>
+                <a:latin typeface="Courier New" panose="02070309020205020404" pitchFamily="49" charset="0"/>
+              </a:rPr>
+              <a:t>: 21.0000 - accuracy: 0.9991 - precision: 0.9310 - recall: 0.7200 - </a:t>
+            </a:r>
+            <a:r>
+              <a:rPr lang="en-GB" b="0" i="0" dirty="0" err="1">
+                <a:solidFill>
+                  <a:srgbClr val="212121"/>
+                </a:solidFill>
+                <a:effectLst/>
+                <a:latin typeface="Courier New" panose="02070309020205020404" pitchFamily="49" charset="0"/>
+              </a:rPr>
+              <a:t>auc</a:t>
+            </a:r>
+            <a:r>
+              <a:rPr lang="en-GB" b="0" i="0" dirty="0">
+                <a:solidFill>
+                  <a:srgbClr val="212121"/>
+                </a:solidFill>
+                <a:effectLst/>
+                <a:latin typeface="Courier New" panose="02070309020205020404" pitchFamily="49" charset="0"/>
+              </a:rPr>
+              <a:t>: 0.8799 - </a:t>
+            </a:r>
+            <a:r>
+              <a:rPr lang="en-GB" b="0" i="0" dirty="0" err="1">
+                <a:solidFill>
+                  <a:srgbClr val="212121"/>
+                </a:solidFill>
+                <a:effectLst/>
+                <a:latin typeface="Courier New" panose="02070309020205020404" pitchFamily="49" charset="0"/>
+              </a:rPr>
+              <a:t>prc</a:t>
+            </a:r>
+            <a:r>
+              <a:rPr lang="en-GB" b="0" i="0" dirty="0">
+                <a:solidFill>
+                  <a:srgbClr val="212121"/>
+                </a:solidFill>
+                <a:effectLst/>
+                <a:latin typeface="Courier New" panose="02070309020205020404" pitchFamily="49" charset="0"/>
+              </a:rPr>
+              <a:t>: 0.7661 - 2s/epoch - 2ms/step</a:t>
+            </a:r>
+            <a:endParaRPr lang="en-US" dirty="0"/>
+          </a:p>
+        </p:txBody>
+      </p:sp>
+    </p:spTree>
+    <p:extLst>
+      <p:ext uri="{BB962C8B-B14F-4D97-AF65-F5344CB8AC3E}">
+        <p14:creationId xmlns:p14="http://schemas.microsoft.com/office/powerpoint/2010/main" val="2500354097"/>
+      </p:ext>
+    </p:extLst>
+  </p:cSld>
+  <p:clrMapOvr>
+    <a:masterClrMapping/>
+  </p:clrMapOvr>
+</p:sld>
+</file>
+
+<file path=ppt/slides/slide5.xml><?xml version="1.0" encoding="utf-8"?>
+<p:sld xmlns:a="http://schemas.openxmlformats.org/drawingml/2006/main" xmlns:r="http://schemas.openxmlformats.org/officeDocument/2006/relationships" xmlns:p="http://schemas.openxmlformats.org/presentationml/2006/main">
+  <p:cSld>
+    <p:spTree>
+      <p:nvGrpSpPr>
+        <p:cNvPr id="1" name=""/>
+        <p:cNvGrpSpPr/>
+        <p:nvPr/>
+      </p:nvGrpSpPr>
+      <p:grpSpPr>
+        <a:xfrm>
+          <a:off x="0" y="0"/>
+          <a:ext cx="0" cy="0"/>
+          <a:chOff x="0" y="0"/>
+          <a:chExt cx="0" cy="0"/>
+        </a:xfrm>
+      </p:grpSpPr>
+      <p:sp>
+        <p:nvSpPr>
+          <p:cNvPr id="2" name="Title 1">
+            <a:extLst>
+              <a:ext uri="{FF2B5EF4-FFF2-40B4-BE49-F238E27FC236}">
+                <a16:creationId xmlns:a16="http://schemas.microsoft.com/office/drawing/2014/main" id="{55AEED69-0967-4B60-165A-C33133B324AF}"/>
+              </a:ext>
+            </a:extLst>
+          </p:cNvPr>
+          <p:cNvSpPr>
+            <a:spLocks noGrp="1"/>
+          </p:cNvSpPr>
+          <p:nvPr>
+            <p:ph type="title"/>
+          </p:nvPr>
+        </p:nvSpPr>
+        <p:spPr/>
+        <p:txBody>
+          <a:bodyPr/>
+          <a:lstStyle/>
+          <a:p>
+            <a:r>
+              <a:rPr lang="en-US" dirty="0"/>
+              <a:t>Additional Dense layer</a:t>
+            </a:r>
+          </a:p>
+        </p:txBody>
+      </p:sp>
+      <p:sp>
+        <p:nvSpPr>
+          <p:cNvPr id="3" name="Content Placeholder 2">
+            <a:extLst>
+              <a:ext uri="{FF2B5EF4-FFF2-40B4-BE49-F238E27FC236}">
+                <a16:creationId xmlns:a16="http://schemas.microsoft.com/office/drawing/2014/main" id="{DEC7CD46-72CD-7D5D-1965-149BB7E6A247}"/>
+              </a:ext>
+            </a:extLst>
+          </p:cNvPr>
+          <p:cNvSpPr>
+            <a:spLocks noGrp="1"/>
+          </p:cNvSpPr>
+          <p:nvPr>
+            <p:ph idx="1"/>
+          </p:nvPr>
+        </p:nvSpPr>
+        <p:spPr/>
+        <p:txBody>
+          <a:bodyPr/>
+          <a:lstStyle/>
+          <a:p>
+            <a:r>
+              <a:rPr lang="en-GB" b="0" i="0" dirty="0">
+                <a:solidFill>
+                  <a:srgbClr val="212121"/>
+                </a:solidFill>
+                <a:effectLst/>
+                <a:latin typeface="Courier New" panose="02070309020205020404" pitchFamily="49" charset="0"/>
+              </a:rPr>
+              <a:t>884/884 - 2s - loss: nan - </a:t>
+            </a:r>
+            <a:r>
+              <a:rPr lang="en-GB" b="0" i="0" dirty="0" err="1">
+                <a:solidFill>
+                  <a:srgbClr val="212121"/>
+                </a:solidFill>
+                <a:effectLst/>
+                <a:latin typeface="Courier New" panose="02070309020205020404" pitchFamily="49" charset="0"/>
+              </a:rPr>
+              <a:t>tp</a:t>
+            </a:r>
+            <a:r>
+              <a:rPr lang="en-GB" b="0" i="0" dirty="0">
+                <a:solidFill>
+                  <a:srgbClr val="212121"/>
+                </a:solidFill>
+                <a:effectLst/>
+                <a:latin typeface="Courier New" panose="02070309020205020404" pitchFamily="49" charset="0"/>
+              </a:rPr>
+              <a:t>: 54.0000 - </a:t>
+            </a:r>
+            <a:r>
+              <a:rPr lang="en-GB" b="0" i="0" dirty="0" err="1">
+                <a:solidFill>
+                  <a:srgbClr val="212121"/>
+                </a:solidFill>
+                <a:effectLst/>
+                <a:latin typeface="Courier New" panose="02070309020205020404" pitchFamily="49" charset="0"/>
+              </a:rPr>
+              <a:t>fp</a:t>
+            </a:r>
+            <a:r>
+              <a:rPr lang="en-GB" b="0" i="0" dirty="0">
+                <a:solidFill>
+                  <a:srgbClr val="212121"/>
+                </a:solidFill>
+                <a:effectLst/>
+                <a:latin typeface="Courier New" panose="02070309020205020404" pitchFamily="49" charset="0"/>
+              </a:rPr>
+              <a:t>: 4.0000 - </a:t>
+            </a:r>
+            <a:r>
+              <a:rPr lang="en-GB" b="0" i="0" dirty="0" err="1">
+                <a:solidFill>
+                  <a:srgbClr val="212121"/>
+                </a:solidFill>
+                <a:effectLst/>
+                <a:latin typeface="Courier New" panose="02070309020205020404" pitchFamily="49" charset="0"/>
+              </a:rPr>
+              <a:t>tn</a:t>
+            </a:r>
+            <a:r>
+              <a:rPr lang="en-GB" b="0" i="0" dirty="0">
+                <a:solidFill>
+                  <a:srgbClr val="212121"/>
+                </a:solidFill>
+                <a:effectLst/>
+                <a:latin typeface="Courier New" panose="02070309020205020404" pitchFamily="49" charset="0"/>
+              </a:rPr>
+              <a:t>: 28207.0000 - </a:t>
+            </a:r>
+            <a:r>
+              <a:rPr lang="en-GB" b="0" i="0" dirty="0" err="1">
+                <a:solidFill>
+                  <a:srgbClr val="212121"/>
+                </a:solidFill>
+                <a:effectLst/>
+                <a:latin typeface="Courier New" panose="02070309020205020404" pitchFamily="49" charset="0"/>
+              </a:rPr>
+              <a:t>fn</a:t>
+            </a:r>
+            <a:r>
+              <a:rPr lang="en-GB" b="0" i="0" dirty="0">
+                <a:solidFill>
+                  <a:srgbClr val="212121"/>
+                </a:solidFill>
+                <a:effectLst/>
+                <a:latin typeface="Courier New" panose="02070309020205020404" pitchFamily="49" charset="0"/>
+              </a:rPr>
+              <a:t>: 21.0000 - accuracy: 0.9991 - precision: 0.9310 - recall: 0.7200 - </a:t>
+            </a:r>
+            <a:r>
+              <a:rPr lang="en-GB" b="0" i="0" dirty="0" err="1">
+                <a:solidFill>
+                  <a:srgbClr val="212121"/>
+                </a:solidFill>
+                <a:effectLst/>
+                <a:latin typeface="Courier New" panose="02070309020205020404" pitchFamily="49" charset="0"/>
+              </a:rPr>
+              <a:t>auc</a:t>
+            </a:r>
+            <a:r>
+              <a:rPr lang="en-GB" b="0" i="0" dirty="0">
+                <a:solidFill>
+                  <a:srgbClr val="212121"/>
+                </a:solidFill>
+                <a:effectLst/>
+                <a:latin typeface="Courier New" panose="02070309020205020404" pitchFamily="49" charset="0"/>
+              </a:rPr>
+              <a:t>: 0.8931 - </a:t>
+            </a:r>
+            <a:r>
+              <a:rPr lang="en-GB" b="0" i="0" dirty="0" err="1">
+                <a:solidFill>
+                  <a:srgbClr val="212121"/>
+                </a:solidFill>
+                <a:effectLst/>
+                <a:latin typeface="Courier New" panose="02070309020205020404" pitchFamily="49" charset="0"/>
+              </a:rPr>
+              <a:t>prc</a:t>
+            </a:r>
+            <a:r>
+              <a:rPr lang="en-GB" b="0" i="0" dirty="0">
+                <a:solidFill>
+                  <a:srgbClr val="212121"/>
+                </a:solidFill>
+                <a:effectLst/>
+                <a:latin typeface="Courier New" panose="02070309020205020404" pitchFamily="49" charset="0"/>
+              </a:rPr>
+              <a:t>: 0.7788 - 2s/epoch - 3ms/step</a:t>
+            </a:r>
+            <a:endParaRPr lang="en-US" dirty="0"/>
+          </a:p>
+        </p:txBody>
+      </p:sp>
+    </p:spTree>
+    <p:extLst>
+      <p:ext uri="{BB962C8B-B14F-4D97-AF65-F5344CB8AC3E}">
+        <p14:creationId xmlns:p14="http://schemas.microsoft.com/office/powerpoint/2010/main" val="3772725891"/>
+      </p:ext>
+    </p:extLst>
+  </p:cSld>
+  <p:clrMapOvr>
+    <a:masterClrMapping/>
+  </p:clrMapOvr>
+</p:sld>
+</file>
+
+<file path=ppt/slides/slide6.xml><?xml version="1.0" encoding="utf-8"?>
+<p:sld xmlns:a="http://schemas.openxmlformats.org/drawingml/2006/main" xmlns:r="http://schemas.openxmlformats.org/officeDocument/2006/relationships" xmlns:p="http://schemas.openxmlformats.org/presentationml/2006/main">
+  <p:cSld>
+    <p:spTree>
+      <p:nvGrpSpPr>
+        <p:cNvPr id="1" name=""/>
+        <p:cNvGrpSpPr/>
+        <p:nvPr/>
+      </p:nvGrpSpPr>
+      <p:grpSpPr>
+        <a:xfrm>
+          <a:off x="0" y="0"/>
+          <a:ext cx="0" cy="0"/>
+          <a:chOff x="0" y="0"/>
+          <a:chExt cx="0" cy="0"/>
+        </a:xfrm>
+      </p:grpSpPr>
+      <p:sp>
+        <p:nvSpPr>
+          <p:cNvPr id="2" name="Title 1">
+            <a:extLst>
+              <a:ext uri="{FF2B5EF4-FFF2-40B4-BE49-F238E27FC236}">
+                <a16:creationId xmlns:a16="http://schemas.microsoft.com/office/drawing/2014/main" id="{969B23C5-38F6-376B-6C02-E01F65661ACE}"/>
+              </a:ext>
+            </a:extLst>
+          </p:cNvPr>
+          <p:cNvSpPr>
+            <a:spLocks noGrp="1"/>
+          </p:cNvSpPr>
+          <p:nvPr>
+            <p:ph type="title"/>
+          </p:nvPr>
+        </p:nvSpPr>
+        <p:spPr/>
+        <p:txBody>
+          <a:bodyPr/>
+          <a:lstStyle/>
+          <a:p>
+            <a:r>
+              <a:rPr lang="en-US" dirty="0"/>
+              <a:t>NN- Threshold accuracy 0.6</a:t>
+            </a:r>
+          </a:p>
+        </p:txBody>
+      </p:sp>
+      <p:sp>
+        <p:nvSpPr>
+          <p:cNvPr id="3" name="Content Placeholder 2">
+            <a:extLst>
+              <a:ext uri="{FF2B5EF4-FFF2-40B4-BE49-F238E27FC236}">
+                <a16:creationId xmlns:a16="http://schemas.microsoft.com/office/drawing/2014/main" id="{35A4CE2F-5B69-3A6D-CBDE-2C015E52ADDF}"/>
+              </a:ext>
+            </a:extLst>
+          </p:cNvPr>
+          <p:cNvSpPr>
+            <a:spLocks noGrp="1"/>
+          </p:cNvSpPr>
+          <p:nvPr>
+            <p:ph idx="1"/>
+          </p:nvPr>
+        </p:nvSpPr>
+        <p:spPr/>
+        <p:txBody>
+          <a:bodyPr/>
+          <a:lstStyle/>
+          <a:p>
+            <a:r>
+              <a:rPr lang="en-GB" b="0" i="0" dirty="0">
+                <a:solidFill>
+                  <a:srgbClr val="212121"/>
+                </a:solidFill>
+                <a:effectLst/>
+                <a:latin typeface="Courier New" panose="02070309020205020404" pitchFamily="49" charset="0"/>
+              </a:rPr>
+              <a:t>884/884 - 2s - loss: nan - </a:t>
+            </a:r>
+            <a:r>
+              <a:rPr lang="en-GB" b="0" i="0" dirty="0" err="1">
+                <a:solidFill>
+                  <a:srgbClr val="212121"/>
+                </a:solidFill>
+                <a:effectLst/>
+                <a:latin typeface="Courier New" panose="02070309020205020404" pitchFamily="49" charset="0"/>
+              </a:rPr>
+              <a:t>tp</a:t>
+            </a:r>
+            <a:r>
+              <a:rPr lang="en-GB" b="0" i="0" dirty="0">
+                <a:solidFill>
+                  <a:srgbClr val="212121"/>
+                </a:solidFill>
+                <a:effectLst/>
+                <a:latin typeface="Courier New" panose="02070309020205020404" pitchFamily="49" charset="0"/>
+              </a:rPr>
+              <a:t>: 58.0000 - </a:t>
+            </a:r>
+            <a:r>
+              <a:rPr lang="en-GB" b="0" i="0" dirty="0" err="1">
+                <a:solidFill>
+                  <a:srgbClr val="212121"/>
+                </a:solidFill>
+                <a:effectLst/>
+                <a:latin typeface="Courier New" panose="02070309020205020404" pitchFamily="49" charset="0"/>
+              </a:rPr>
+              <a:t>fp</a:t>
+            </a:r>
+            <a:r>
+              <a:rPr lang="en-GB" b="0" i="0" dirty="0">
+                <a:solidFill>
+                  <a:srgbClr val="212121"/>
+                </a:solidFill>
+                <a:effectLst/>
+                <a:latin typeface="Courier New" panose="02070309020205020404" pitchFamily="49" charset="0"/>
+              </a:rPr>
+              <a:t>: 4.0000 - </a:t>
+            </a:r>
+            <a:r>
+              <a:rPr lang="en-GB" b="0" i="0" dirty="0" err="1">
+                <a:solidFill>
+                  <a:srgbClr val="212121"/>
+                </a:solidFill>
+                <a:effectLst/>
+                <a:latin typeface="Courier New" panose="02070309020205020404" pitchFamily="49" charset="0"/>
+              </a:rPr>
+              <a:t>tn</a:t>
+            </a:r>
+            <a:r>
+              <a:rPr lang="en-GB" b="0" i="0" dirty="0">
+                <a:solidFill>
+                  <a:srgbClr val="212121"/>
+                </a:solidFill>
+                <a:effectLst/>
+                <a:latin typeface="Courier New" panose="02070309020205020404" pitchFamily="49" charset="0"/>
+              </a:rPr>
+              <a:t>: 28207.0000 - </a:t>
+            </a:r>
+            <a:r>
+              <a:rPr lang="en-GB" b="0" i="0" dirty="0" err="1">
+                <a:solidFill>
+                  <a:srgbClr val="212121"/>
+                </a:solidFill>
+                <a:effectLst/>
+                <a:latin typeface="Courier New" panose="02070309020205020404" pitchFamily="49" charset="0"/>
+              </a:rPr>
+              <a:t>fn</a:t>
+            </a:r>
+            <a:r>
+              <a:rPr lang="en-GB" b="0" i="0" dirty="0">
+                <a:solidFill>
+                  <a:srgbClr val="212121"/>
+                </a:solidFill>
+                <a:effectLst/>
+                <a:latin typeface="Courier New" panose="02070309020205020404" pitchFamily="49" charset="0"/>
+              </a:rPr>
+              <a:t>: 17.0000 - accuracy: 0.9993 - precision: 0.9355 - recall: 0.7733 - </a:t>
+            </a:r>
+            <a:r>
+              <a:rPr lang="en-GB" b="0" i="0" dirty="0" err="1">
+                <a:solidFill>
+                  <a:srgbClr val="212121"/>
+                </a:solidFill>
+                <a:effectLst/>
+                <a:latin typeface="Courier New" panose="02070309020205020404" pitchFamily="49" charset="0"/>
+              </a:rPr>
+              <a:t>auc</a:t>
+            </a:r>
+            <a:r>
+              <a:rPr lang="en-GB" b="0" i="0" dirty="0">
+                <a:solidFill>
+                  <a:srgbClr val="212121"/>
+                </a:solidFill>
+                <a:effectLst/>
+                <a:latin typeface="Courier New" panose="02070309020205020404" pitchFamily="49" charset="0"/>
+              </a:rPr>
+              <a:t>: 0.8927 - </a:t>
+            </a:r>
+            <a:r>
+              <a:rPr lang="en-GB" b="0" i="0" dirty="0" err="1">
+                <a:solidFill>
+                  <a:srgbClr val="212121"/>
+                </a:solidFill>
+                <a:effectLst/>
+                <a:latin typeface="Courier New" panose="02070309020205020404" pitchFamily="49" charset="0"/>
+              </a:rPr>
+              <a:t>prc</a:t>
+            </a:r>
+            <a:r>
+              <a:rPr lang="en-GB" b="0" i="0" dirty="0">
+                <a:solidFill>
+                  <a:srgbClr val="212121"/>
+                </a:solidFill>
+                <a:effectLst/>
+                <a:latin typeface="Courier New" panose="02070309020205020404" pitchFamily="49" charset="0"/>
+              </a:rPr>
+              <a:t>: 0.7785 - 2s/epoch - 2ms/step</a:t>
+            </a:r>
+            <a:endParaRPr lang="en-US" dirty="0"/>
+          </a:p>
+        </p:txBody>
+      </p:sp>
+    </p:spTree>
+    <p:extLst>
+      <p:ext uri="{BB962C8B-B14F-4D97-AF65-F5344CB8AC3E}">
+        <p14:creationId xmlns:p14="http://schemas.microsoft.com/office/powerpoint/2010/main" val="3206747589"/>
+      </p:ext>
+    </p:extLst>
+  </p:cSld>
+  <p:clrMapOvr>
+    <a:masterClrMapping/>
+  </p:clrMapOvr>
+</p:sld>
+</file>
+
+<file path=ppt/slides/slide7.xml><?xml version="1.0" encoding="utf-8"?>
+<p:sld xmlns:a="http://schemas.openxmlformats.org/drawingml/2006/main" xmlns:r="http://schemas.openxmlformats.org/officeDocument/2006/relationships" xmlns:p="http://schemas.openxmlformats.org/presentationml/2006/main">
+  <p:cSld>
+    <p:spTree>
+      <p:nvGrpSpPr>
+        <p:cNvPr id="1" name=""/>
+        <p:cNvGrpSpPr/>
+        <p:nvPr/>
+      </p:nvGrpSpPr>
+      <p:grpSpPr>
+        <a:xfrm>
+          <a:off x="0" y="0"/>
+          <a:ext cx="0" cy="0"/>
+          <a:chOff x="0" y="0"/>
+          <a:chExt cx="0" cy="0"/>
+        </a:xfrm>
+      </p:grpSpPr>
+      <p:sp>
+        <p:nvSpPr>
+          <p:cNvPr id="2" name="Title 1">
+            <a:extLst>
+              <a:ext uri="{FF2B5EF4-FFF2-40B4-BE49-F238E27FC236}">
+                <a16:creationId xmlns:a16="http://schemas.microsoft.com/office/drawing/2014/main" id="{67127571-5516-FB34-C37A-A0D920831940}"/>
+              </a:ext>
+            </a:extLst>
+          </p:cNvPr>
+          <p:cNvSpPr>
+            <a:spLocks noGrp="1"/>
+          </p:cNvSpPr>
+          <p:nvPr>
+            <p:ph type="title"/>
+          </p:nvPr>
+        </p:nvSpPr>
+        <p:spPr/>
+        <p:txBody>
+          <a:bodyPr/>
+          <a:lstStyle/>
+          <a:p>
+            <a:r>
+              <a:rPr lang="en-US" dirty="0"/>
+              <a:t>Tanh </a:t>
+            </a:r>
+            <a:r>
+              <a:rPr lang="en-US"/>
+              <a:t>Activation function</a:t>
+            </a:r>
+          </a:p>
+        </p:txBody>
+      </p:sp>
+      <p:sp>
+        <p:nvSpPr>
+          <p:cNvPr id="3" name="Content Placeholder 2">
+            <a:extLst>
+              <a:ext uri="{FF2B5EF4-FFF2-40B4-BE49-F238E27FC236}">
+                <a16:creationId xmlns:a16="http://schemas.microsoft.com/office/drawing/2014/main" id="{7CD90733-2955-2C6E-56C1-66C283259D6D}"/>
+              </a:ext>
+            </a:extLst>
+          </p:cNvPr>
+          <p:cNvSpPr>
+            <a:spLocks noGrp="1"/>
+          </p:cNvSpPr>
+          <p:nvPr>
+            <p:ph idx="1"/>
+          </p:nvPr>
+        </p:nvSpPr>
+        <p:spPr/>
+        <p:txBody>
+          <a:bodyPr/>
+          <a:lstStyle/>
+          <a:p>
+            <a:r>
+              <a:rPr lang="en-GB" b="0" i="0" dirty="0">
+                <a:solidFill>
+                  <a:srgbClr val="212121"/>
+                </a:solidFill>
+                <a:effectLst/>
+                <a:latin typeface="Courier New" panose="02070309020205020404" pitchFamily="49" charset="0"/>
+              </a:rPr>
+              <a:t>853/853 - 3s - loss: nan - </a:t>
+            </a:r>
+            <a:r>
+              <a:rPr lang="en-GB" b="0" i="0" dirty="0" err="1">
+                <a:solidFill>
+                  <a:srgbClr val="212121"/>
+                </a:solidFill>
+                <a:effectLst/>
+                <a:latin typeface="Courier New" panose="02070309020205020404" pitchFamily="49" charset="0"/>
+              </a:rPr>
+              <a:t>tp</a:t>
+            </a:r>
+            <a:r>
+              <a:rPr lang="en-GB" b="0" i="0" dirty="0">
+                <a:solidFill>
+                  <a:srgbClr val="212121"/>
+                </a:solidFill>
+                <a:effectLst/>
+                <a:latin typeface="Courier New" panose="02070309020205020404" pitchFamily="49" charset="0"/>
+              </a:rPr>
+              <a:t>: 51.0000 - </a:t>
+            </a:r>
+            <a:r>
+              <a:rPr lang="en-GB" b="0" i="0" dirty="0" err="1">
+                <a:solidFill>
+                  <a:srgbClr val="212121"/>
+                </a:solidFill>
+                <a:effectLst/>
+                <a:latin typeface="Courier New" panose="02070309020205020404" pitchFamily="49" charset="0"/>
+              </a:rPr>
+              <a:t>fp</a:t>
+            </a:r>
+            <a:r>
+              <a:rPr lang="en-GB" b="0" i="0" dirty="0">
+                <a:solidFill>
+                  <a:srgbClr val="212121"/>
+                </a:solidFill>
+                <a:effectLst/>
+                <a:latin typeface="Courier New" panose="02070309020205020404" pitchFamily="49" charset="0"/>
+              </a:rPr>
+              <a:t>: 3.0000 - </a:t>
+            </a:r>
+            <a:r>
+              <a:rPr lang="en-GB" b="0" i="0" dirty="0" err="1">
+                <a:solidFill>
+                  <a:srgbClr val="212121"/>
+                </a:solidFill>
+                <a:effectLst/>
+                <a:latin typeface="Courier New" panose="02070309020205020404" pitchFamily="49" charset="0"/>
+              </a:rPr>
+              <a:t>tn</a:t>
+            </a:r>
+            <a:r>
+              <a:rPr lang="en-GB" b="0" i="0" dirty="0">
+                <a:solidFill>
+                  <a:srgbClr val="212121"/>
+                </a:solidFill>
+                <a:effectLst/>
+                <a:latin typeface="Courier New" panose="02070309020205020404" pitchFamily="49" charset="0"/>
+              </a:rPr>
+              <a:t>: 27206.0000 - </a:t>
+            </a:r>
+            <a:r>
+              <a:rPr lang="en-GB" b="0" i="0" dirty="0" err="1">
+                <a:solidFill>
+                  <a:srgbClr val="212121"/>
+                </a:solidFill>
+                <a:effectLst/>
+                <a:latin typeface="Courier New" panose="02070309020205020404" pitchFamily="49" charset="0"/>
+              </a:rPr>
+              <a:t>fn</a:t>
+            </a:r>
+            <a:r>
+              <a:rPr lang="en-GB" b="0" i="0" dirty="0">
+                <a:solidFill>
+                  <a:srgbClr val="212121"/>
+                </a:solidFill>
+                <a:effectLst/>
+                <a:latin typeface="Courier New" panose="02070309020205020404" pitchFamily="49" charset="0"/>
+              </a:rPr>
+              <a:t>: 15.0000 - accuracy: 0.9993 - precision: 0.9444 - recall: 0.7727 - </a:t>
+            </a:r>
+            <a:r>
+              <a:rPr lang="en-GB" b="0" i="0" dirty="0" err="1">
+                <a:solidFill>
+                  <a:srgbClr val="212121"/>
+                </a:solidFill>
+                <a:effectLst/>
+                <a:latin typeface="Courier New" panose="02070309020205020404" pitchFamily="49" charset="0"/>
+              </a:rPr>
+              <a:t>auc</a:t>
+            </a:r>
+            <a:r>
+              <a:rPr lang="en-GB" b="0" i="0" dirty="0">
+                <a:solidFill>
+                  <a:srgbClr val="212121"/>
+                </a:solidFill>
+                <a:effectLst/>
+                <a:latin typeface="Courier New" panose="02070309020205020404" pitchFamily="49" charset="0"/>
+              </a:rPr>
+              <a:t>: 0.9162 - </a:t>
+            </a:r>
+            <a:r>
+              <a:rPr lang="en-GB" b="0" i="0" dirty="0" err="1">
+                <a:solidFill>
+                  <a:srgbClr val="212121"/>
+                </a:solidFill>
+                <a:effectLst/>
+                <a:latin typeface="Courier New" panose="02070309020205020404" pitchFamily="49" charset="0"/>
+              </a:rPr>
+              <a:t>prc</a:t>
+            </a:r>
+            <a:r>
+              <a:rPr lang="en-GB" b="0" i="0" dirty="0">
+                <a:solidFill>
+                  <a:srgbClr val="212121"/>
+                </a:solidFill>
+                <a:effectLst/>
+                <a:latin typeface="Courier New" panose="02070309020205020404" pitchFamily="49" charset="0"/>
+              </a:rPr>
+              <a:t>: 0.8255 - 3s/epoch - 3ms/step</a:t>
+            </a:r>
+            <a:endParaRPr lang="en-US" dirty="0"/>
+          </a:p>
+        </p:txBody>
+      </p:sp>
+    </p:spTree>
+    <p:extLst>
+      <p:ext uri="{BB962C8B-B14F-4D97-AF65-F5344CB8AC3E}">
+        <p14:creationId xmlns:p14="http://schemas.microsoft.com/office/powerpoint/2010/main" val="2236923327"/>
       </p:ext>
     </p:extLst>
   </p:cSld>
